--- a/sphinx-book/source/supervised/gradient/figures/figures.pptx
+++ b/sphinx-book/source/supervised/gradient/figures/figures.pptx
@@ -7,6 +7,7 @@
   <p:sldIdLst>
     <p:sldId id="256" r:id="rId2"/>
     <p:sldId id="257" r:id="rId3"/>
+    <p:sldId id="258" r:id="rId4"/>
   </p:sldIdLst>
   <p:sldSz cx="12192000" cy="6858000"/>
   <p:notesSz cx="6858000" cy="9144000"/>
@@ -379,8 +380,8 @@
           <c:showPercent val="0"/>
           <c:showBubbleSize val="0"/>
         </c:dLbls>
-        <c:axId val="266832416"/>
-        <c:axId val="229720320"/>
+        <c:axId val="91647040"/>
+        <c:axId val="91647600"/>
         <c:extLst>
           <c:ext xmlns:c15="http://schemas.microsoft.com/office/drawing/2012/chart" uri="{02D57815-91ED-43cb-92C2-25804820EDAC}">
             <c15:filteredScatterSeries>
@@ -639,7 +640,7 @@
         </c:extLst>
       </c:scatterChart>
       <c:valAx>
-        <c:axId val="266832416"/>
+        <c:axId val="91647040"/>
         <c:scaling>
           <c:orientation val="minMax"/>
           <c:max val="10"/>
@@ -695,12 +696,12 @@
             <a:endParaRPr lang="en-US"/>
           </a:p>
         </c:txPr>
-        <c:crossAx val="229720320"/>
+        <c:crossAx val="91647600"/>
         <c:crosses val="autoZero"/>
         <c:crossBetween val="midCat"/>
       </c:valAx>
       <c:valAx>
-        <c:axId val="229720320"/>
+        <c:axId val="91647600"/>
         <c:scaling>
           <c:orientation val="minMax"/>
         </c:scaling>
@@ -754,7 +755,7 @@
             <a:endParaRPr lang="en-US"/>
           </a:p>
         </c:txPr>
-        <c:crossAx val="266832416"/>
+        <c:crossAx val="91647040"/>
         <c:crosses val="autoZero"/>
         <c:crossBetween val="midCat"/>
         <c:majorUnit val="100"/>
@@ -1484,7 +1485,7 @@
           <a:p>
             <a:fld id="{0D348644-1F80-4F7B-9DEF-3ADA9E1B2418}" type="datetimeFigureOut">
               <a:rPr lang="en-US" smtClean="0"/>
-              <a:t>6/8/2019</a:t>
+              <a:t>6/9/2019</a:t>
             </a:fld>
             <a:endParaRPr lang="en-US"/>
           </a:p>
@@ -1654,7 +1655,7 @@
           <a:p>
             <a:fld id="{0D348644-1F80-4F7B-9DEF-3ADA9E1B2418}" type="datetimeFigureOut">
               <a:rPr lang="en-US" smtClean="0"/>
-              <a:t>6/8/2019</a:t>
+              <a:t>6/9/2019</a:t>
             </a:fld>
             <a:endParaRPr lang="en-US"/>
           </a:p>
@@ -1834,7 +1835,7 @@
           <a:p>
             <a:fld id="{0D348644-1F80-4F7B-9DEF-3ADA9E1B2418}" type="datetimeFigureOut">
               <a:rPr lang="en-US" smtClean="0"/>
-              <a:t>6/8/2019</a:t>
+              <a:t>6/9/2019</a:t>
             </a:fld>
             <a:endParaRPr lang="en-US"/>
           </a:p>
@@ -2004,7 +2005,7 @@
           <a:p>
             <a:fld id="{0D348644-1F80-4F7B-9DEF-3ADA9E1B2418}" type="datetimeFigureOut">
               <a:rPr lang="en-US" smtClean="0"/>
-              <a:t>6/8/2019</a:t>
+              <a:t>6/9/2019</a:t>
             </a:fld>
             <a:endParaRPr lang="en-US"/>
           </a:p>
@@ -2250,7 +2251,7 @@
           <a:p>
             <a:fld id="{0D348644-1F80-4F7B-9DEF-3ADA9E1B2418}" type="datetimeFigureOut">
               <a:rPr lang="en-US" smtClean="0"/>
-              <a:t>6/8/2019</a:t>
+              <a:t>6/9/2019</a:t>
             </a:fld>
             <a:endParaRPr lang="en-US"/>
           </a:p>
@@ -2482,7 +2483,7 @@
           <a:p>
             <a:fld id="{0D348644-1F80-4F7B-9DEF-3ADA9E1B2418}" type="datetimeFigureOut">
               <a:rPr lang="en-US" smtClean="0"/>
-              <a:t>6/8/2019</a:t>
+              <a:t>6/9/2019</a:t>
             </a:fld>
             <a:endParaRPr lang="en-US"/>
           </a:p>
@@ -2849,7 +2850,7 @@
           <a:p>
             <a:fld id="{0D348644-1F80-4F7B-9DEF-3ADA9E1B2418}" type="datetimeFigureOut">
               <a:rPr lang="en-US" smtClean="0"/>
-              <a:t>6/8/2019</a:t>
+              <a:t>6/9/2019</a:t>
             </a:fld>
             <a:endParaRPr lang="en-US"/>
           </a:p>
@@ -2967,7 +2968,7 @@
           <a:p>
             <a:fld id="{0D348644-1F80-4F7B-9DEF-3ADA9E1B2418}" type="datetimeFigureOut">
               <a:rPr lang="en-US" smtClean="0"/>
-              <a:t>6/8/2019</a:t>
+              <a:t>6/9/2019</a:t>
             </a:fld>
             <a:endParaRPr lang="en-US"/>
           </a:p>
@@ -3062,7 +3063,7 @@
           <a:p>
             <a:fld id="{0D348644-1F80-4F7B-9DEF-3ADA9E1B2418}" type="datetimeFigureOut">
               <a:rPr lang="en-US" smtClean="0"/>
-              <a:t>6/8/2019</a:t>
+              <a:t>6/9/2019</a:t>
             </a:fld>
             <a:endParaRPr lang="en-US"/>
           </a:p>
@@ -3339,7 +3340,7 @@
           <a:p>
             <a:fld id="{0D348644-1F80-4F7B-9DEF-3ADA9E1B2418}" type="datetimeFigureOut">
               <a:rPr lang="en-US" smtClean="0"/>
-              <a:t>6/8/2019</a:t>
+              <a:t>6/9/2019</a:t>
             </a:fld>
             <a:endParaRPr lang="en-US"/>
           </a:p>
@@ -3592,7 +3593,7 @@
           <a:p>
             <a:fld id="{0D348644-1F80-4F7B-9DEF-3ADA9E1B2418}" type="datetimeFigureOut">
               <a:rPr lang="en-US" smtClean="0"/>
-              <a:t>6/8/2019</a:t>
+              <a:t>6/9/2019</a:t>
             </a:fld>
             <a:endParaRPr lang="en-US"/>
           </a:p>
@@ -3805,7 +3806,7 @@
           <a:p>
             <a:fld id="{0D348644-1F80-4F7B-9DEF-3ADA9E1B2418}" type="datetimeFigureOut">
               <a:rPr lang="en-US" smtClean="0"/>
-              <a:t>6/8/2019</a:t>
+              <a:t>6/9/2019</a:t>
             </a:fld>
             <a:endParaRPr lang="en-US"/>
           </a:p>
@@ -4736,6 +4737,906 @@
 </p:sld>
 </file>
 
+<file path=ppt/slides/slide3.xml><?xml version="1.0" encoding="utf-8"?>
+<p:sld xmlns:a="http://schemas.openxmlformats.org/drawingml/2006/main" xmlns:r="http://schemas.openxmlformats.org/officeDocument/2006/relationships" xmlns:p="http://schemas.openxmlformats.org/presentationml/2006/main">
+  <p:cSld>
+    <p:spTree>
+      <p:nvGrpSpPr>
+        <p:cNvPr id="1" name=""/>
+        <p:cNvGrpSpPr/>
+        <p:nvPr/>
+      </p:nvGrpSpPr>
+      <p:grpSpPr>
+        <a:xfrm>
+          <a:off x="0" y="0"/>
+          <a:ext cx="0" cy="0"/>
+          <a:chOff x="0" y="0"/>
+          <a:chExt cx="0" cy="0"/>
+        </a:xfrm>
+      </p:grpSpPr>
+      <p:cxnSp>
+        <p:nvCxnSpPr>
+          <p:cNvPr id="6" name="Straight Arrow Connector 5"/>
+          <p:cNvCxnSpPr/>
+          <p:nvPr/>
+        </p:nvCxnSpPr>
+        <p:spPr>
+          <a:xfrm>
+            <a:off x="1527582" y="1904104"/>
+            <a:ext cx="1710241" cy="828114"/>
+          </a:xfrm>
+          <a:prstGeom prst="straightConnector1">
+            <a:avLst/>
+          </a:prstGeom>
+          <a:ln>
+            <a:solidFill>
+              <a:schemeClr val="tx1"/>
+            </a:solidFill>
+            <a:tailEnd type="triangle"/>
+          </a:ln>
+        </p:spPr>
+        <p:style>
+          <a:lnRef idx="1">
+            <a:schemeClr val="accent1"/>
+          </a:lnRef>
+          <a:fillRef idx="0">
+            <a:schemeClr val="accent1"/>
+          </a:fillRef>
+          <a:effectRef idx="0">
+            <a:schemeClr val="accent1"/>
+          </a:effectRef>
+          <a:fontRef idx="minor">
+            <a:schemeClr val="tx1"/>
+          </a:fontRef>
+        </p:style>
+      </p:cxnSp>
+      <p:cxnSp>
+        <p:nvCxnSpPr>
+          <p:cNvPr id="7" name="Straight Arrow Connector 6"/>
+          <p:cNvCxnSpPr/>
+          <p:nvPr/>
+        </p:nvCxnSpPr>
+        <p:spPr>
+          <a:xfrm>
+            <a:off x="1559855" y="2463500"/>
+            <a:ext cx="1645920" cy="376518"/>
+          </a:xfrm>
+          <a:prstGeom prst="straightConnector1">
+            <a:avLst/>
+          </a:prstGeom>
+          <a:ln>
+            <a:solidFill>
+              <a:schemeClr val="tx1"/>
+            </a:solidFill>
+            <a:tailEnd type="triangle"/>
+          </a:ln>
+        </p:spPr>
+        <p:style>
+          <a:lnRef idx="1">
+            <a:schemeClr val="accent1"/>
+          </a:lnRef>
+          <a:fillRef idx="0">
+            <a:schemeClr val="accent1"/>
+          </a:fillRef>
+          <a:effectRef idx="0">
+            <a:schemeClr val="accent1"/>
+          </a:effectRef>
+          <a:fontRef idx="minor">
+            <a:schemeClr val="tx1"/>
+          </a:fontRef>
+        </p:style>
+      </p:cxnSp>
+      <p:cxnSp>
+        <p:nvCxnSpPr>
+          <p:cNvPr id="11" name="Straight Arrow Connector 10"/>
+          <p:cNvCxnSpPr/>
+          <p:nvPr/>
+        </p:nvCxnSpPr>
+        <p:spPr>
+          <a:xfrm flipV="1">
+            <a:off x="1561649" y="2927872"/>
+            <a:ext cx="1645920" cy="376518"/>
+          </a:xfrm>
+          <a:prstGeom prst="straightConnector1">
+            <a:avLst/>
+          </a:prstGeom>
+          <a:ln>
+            <a:solidFill>
+              <a:schemeClr val="tx1"/>
+            </a:solidFill>
+            <a:tailEnd type="triangle"/>
+          </a:ln>
+        </p:spPr>
+        <p:style>
+          <a:lnRef idx="1">
+            <a:schemeClr val="accent1"/>
+          </a:lnRef>
+          <a:fillRef idx="0">
+            <a:schemeClr val="accent1"/>
+          </a:fillRef>
+          <a:effectRef idx="0">
+            <a:schemeClr val="accent1"/>
+          </a:effectRef>
+          <a:fontRef idx="minor">
+            <a:schemeClr val="tx1"/>
+          </a:fontRef>
+        </p:style>
+      </p:cxnSp>
+      <p:cxnSp>
+        <p:nvCxnSpPr>
+          <p:cNvPr id="12" name="Straight Arrow Connector 11"/>
+          <p:cNvCxnSpPr/>
+          <p:nvPr/>
+        </p:nvCxnSpPr>
+        <p:spPr>
+          <a:xfrm flipV="1">
+            <a:off x="1550890" y="3013933"/>
+            <a:ext cx="1710241" cy="828114"/>
+          </a:xfrm>
+          <a:prstGeom prst="straightConnector1">
+            <a:avLst/>
+          </a:prstGeom>
+          <a:ln>
+            <a:solidFill>
+              <a:schemeClr val="tx1"/>
+            </a:solidFill>
+            <a:tailEnd type="triangle"/>
+          </a:ln>
+        </p:spPr>
+        <p:style>
+          <a:lnRef idx="1">
+            <a:schemeClr val="accent1"/>
+          </a:lnRef>
+          <a:fillRef idx="0">
+            <a:schemeClr val="accent1"/>
+          </a:fillRef>
+          <a:effectRef idx="0">
+            <a:schemeClr val="accent1"/>
+          </a:effectRef>
+          <a:fontRef idx="minor">
+            <a:schemeClr val="tx1"/>
+          </a:fontRef>
+        </p:style>
+      </p:cxnSp>
+      <p:sp>
+        <p:nvSpPr>
+          <p:cNvPr id="13" name="TextBox 12"/>
+          <p:cNvSpPr txBox="1"/>
+          <p:nvPr/>
+        </p:nvSpPr>
+        <p:spPr>
+          <a:xfrm>
+            <a:off x="763782" y="1344706"/>
+            <a:ext cx="583814" cy="707886"/>
+          </a:xfrm>
+          <a:prstGeom prst="rect">
+            <a:avLst/>
+          </a:prstGeom>
+          <a:noFill/>
+        </p:spPr>
+        <p:txBody>
+          <a:bodyPr wrap="none" rtlCol="0">
+            <a:spAutoFit/>
+          </a:bodyPr>
+          <a:lstStyle/>
+          <a:p>
+            <a:r>
+              <a:rPr lang="en-US" sz="4000" i="1" dirty="0" smtClean="0">
+                <a:latin typeface="Times New Roman" panose="02020603050405020304" pitchFamily="18" charset="0"/>
+                <a:cs typeface="Times New Roman" panose="02020603050405020304" pitchFamily="18" charset="0"/>
+              </a:rPr>
+              <a:t>x</a:t>
+            </a:r>
+            <a:r>
+              <a:rPr lang="en-US" sz="4000" i="1" baseline="-25000" dirty="0" smtClean="0">
+                <a:latin typeface="Times New Roman" panose="02020603050405020304" pitchFamily="18" charset="0"/>
+                <a:cs typeface="Times New Roman" panose="02020603050405020304" pitchFamily="18" charset="0"/>
+              </a:rPr>
+              <a:t>0</a:t>
+            </a:r>
+            <a:endParaRPr lang="en-US" sz="4000" i="1" baseline="-25000" dirty="0">
+              <a:latin typeface="Times New Roman" panose="02020603050405020304" pitchFamily="18" charset="0"/>
+              <a:cs typeface="Times New Roman" panose="02020603050405020304" pitchFamily="18" charset="0"/>
+            </a:endParaRPr>
+          </a:p>
+        </p:txBody>
+      </p:sp>
+      <p:sp>
+        <p:nvSpPr>
+          <p:cNvPr id="14" name="TextBox 13"/>
+          <p:cNvSpPr txBox="1"/>
+          <p:nvPr/>
+        </p:nvSpPr>
+        <p:spPr>
+          <a:xfrm>
+            <a:off x="744059" y="1948927"/>
+            <a:ext cx="583814" cy="707886"/>
+          </a:xfrm>
+          <a:prstGeom prst="rect">
+            <a:avLst/>
+          </a:prstGeom>
+          <a:noFill/>
+        </p:spPr>
+        <p:txBody>
+          <a:bodyPr wrap="none" rtlCol="0">
+            <a:spAutoFit/>
+          </a:bodyPr>
+          <a:lstStyle/>
+          <a:p>
+            <a:r>
+              <a:rPr lang="en-US" sz="4000" i="1" dirty="0" smtClean="0">
+                <a:latin typeface="Times New Roman" panose="02020603050405020304" pitchFamily="18" charset="0"/>
+                <a:cs typeface="Times New Roman" panose="02020603050405020304" pitchFamily="18" charset="0"/>
+              </a:rPr>
+              <a:t>x</a:t>
+            </a:r>
+            <a:r>
+              <a:rPr lang="en-US" sz="4000" i="1" baseline="-25000" dirty="0" smtClean="0">
+                <a:latin typeface="Times New Roman" panose="02020603050405020304" pitchFamily="18" charset="0"/>
+                <a:cs typeface="Times New Roman" panose="02020603050405020304" pitchFamily="18" charset="0"/>
+              </a:rPr>
+              <a:t>1</a:t>
+            </a:r>
+            <a:endParaRPr lang="en-US" sz="4000" i="1" baseline="-25000" dirty="0">
+              <a:latin typeface="Times New Roman" panose="02020603050405020304" pitchFamily="18" charset="0"/>
+              <a:cs typeface="Times New Roman" panose="02020603050405020304" pitchFamily="18" charset="0"/>
+            </a:endParaRPr>
+          </a:p>
+        </p:txBody>
+      </p:sp>
+      <p:cxnSp>
+        <p:nvCxnSpPr>
+          <p:cNvPr id="16" name="Straight Connector 15"/>
+          <p:cNvCxnSpPr>
+            <a:stCxn id="14" idx="2"/>
+          </p:cNvCxnSpPr>
+          <p:nvPr/>
+        </p:nvCxnSpPr>
+        <p:spPr>
+          <a:xfrm flipH="1">
+            <a:off x="1032724" y="2656813"/>
+            <a:ext cx="3242" cy="946999"/>
+          </a:xfrm>
+          <a:prstGeom prst="line">
+            <a:avLst/>
+          </a:prstGeom>
+          <a:ln w="28575">
+            <a:solidFill>
+              <a:schemeClr val="tx1"/>
+            </a:solidFill>
+            <a:prstDash val="sysDot"/>
+          </a:ln>
+        </p:spPr>
+        <p:style>
+          <a:lnRef idx="1">
+            <a:schemeClr val="accent1"/>
+          </a:lnRef>
+          <a:fillRef idx="0">
+            <a:schemeClr val="accent1"/>
+          </a:fillRef>
+          <a:effectRef idx="0">
+            <a:schemeClr val="accent1"/>
+          </a:effectRef>
+          <a:fontRef idx="minor">
+            <a:schemeClr val="tx1"/>
+          </a:fontRef>
+        </p:style>
+      </p:cxnSp>
+      <p:sp>
+        <p:nvSpPr>
+          <p:cNvPr id="18" name="TextBox 17"/>
+          <p:cNvSpPr txBox="1"/>
+          <p:nvPr/>
+        </p:nvSpPr>
+        <p:spPr>
+          <a:xfrm>
+            <a:off x="799640" y="3446033"/>
+            <a:ext cx="869149" cy="707886"/>
+          </a:xfrm>
+          <a:prstGeom prst="rect">
+            <a:avLst/>
+          </a:prstGeom>
+          <a:noFill/>
+        </p:spPr>
+        <p:txBody>
+          <a:bodyPr wrap="none" rtlCol="0">
+            <a:spAutoFit/>
+          </a:bodyPr>
+          <a:lstStyle/>
+          <a:p>
+            <a:r>
+              <a:rPr lang="en-US" sz="4000" i="1" dirty="0" smtClean="0">
+                <a:latin typeface="Times New Roman" panose="02020603050405020304" pitchFamily="18" charset="0"/>
+                <a:cs typeface="Times New Roman" panose="02020603050405020304" pitchFamily="18" charset="0"/>
+              </a:rPr>
+              <a:t>x</a:t>
+            </a:r>
+            <a:r>
+              <a:rPr lang="en-US" sz="4000" i="1" baseline="-25000" dirty="0" smtClean="0">
+                <a:latin typeface="Times New Roman" panose="02020603050405020304" pitchFamily="18" charset="0"/>
+                <a:cs typeface="Times New Roman" panose="02020603050405020304" pitchFamily="18" charset="0"/>
+              </a:rPr>
+              <a:t>n-1</a:t>
+            </a:r>
+            <a:endParaRPr lang="en-US" sz="4000" i="1" baseline="-25000" dirty="0">
+              <a:latin typeface="Times New Roman" panose="02020603050405020304" pitchFamily="18" charset="0"/>
+              <a:cs typeface="Times New Roman" panose="02020603050405020304" pitchFamily="18" charset="0"/>
+            </a:endParaRPr>
+          </a:p>
+        </p:txBody>
+      </p:sp>
+      <p:sp>
+        <p:nvSpPr>
+          <p:cNvPr id="19" name="TextBox 18"/>
+          <p:cNvSpPr txBox="1"/>
+          <p:nvPr/>
+        </p:nvSpPr>
+        <p:spPr>
+          <a:xfrm>
+            <a:off x="1895135" y="1486349"/>
+            <a:ext cx="697627" cy="707886"/>
+          </a:xfrm>
+          <a:prstGeom prst="rect">
+            <a:avLst/>
+          </a:prstGeom>
+          <a:noFill/>
+        </p:spPr>
+        <p:txBody>
+          <a:bodyPr wrap="none" rtlCol="0">
+            <a:spAutoFit/>
+          </a:bodyPr>
+          <a:lstStyle/>
+          <a:p>
+            <a:r>
+              <a:rPr lang="en-US" sz="4000" i="1" dirty="0" smtClean="0">
+                <a:latin typeface="Times New Roman" panose="02020603050405020304" pitchFamily="18" charset="0"/>
+                <a:cs typeface="Times New Roman" panose="02020603050405020304" pitchFamily="18" charset="0"/>
+              </a:rPr>
+              <a:t>w</a:t>
+            </a:r>
+            <a:r>
+              <a:rPr lang="en-US" sz="4000" i="1" baseline="-25000" dirty="0" smtClean="0">
+                <a:latin typeface="Times New Roman" panose="02020603050405020304" pitchFamily="18" charset="0"/>
+                <a:cs typeface="Times New Roman" panose="02020603050405020304" pitchFamily="18" charset="0"/>
+              </a:rPr>
+              <a:t>0</a:t>
+            </a:r>
+            <a:endParaRPr lang="en-US" sz="4000" i="1" baseline="-25000" dirty="0">
+              <a:latin typeface="Times New Roman" panose="02020603050405020304" pitchFamily="18" charset="0"/>
+              <a:cs typeface="Times New Roman" panose="02020603050405020304" pitchFamily="18" charset="0"/>
+            </a:endParaRPr>
+          </a:p>
+        </p:txBody>
+      </p:sp>
+      <p:sp>
+        <p:nvSpPr>
+          <p:cNvPr id="20" name="TextBox 19"/>
+          <p:cNvSpPr txBox="1"/>
+          <p:nvPr/>
+        </p:nvSpPr>
+        <p:spPr>
+          <a:xfrm>
+            <a:off x="1531168" y="1886175"/>
+            <a:ext cx="697627" cy="707886"/>
+          </a:xfrm>
+          <a:prstGeom prst="rect">
+            <a:avLst/>
+          </a:prstGeom>
+          <a:noFill/>
+        </p:spPr>
+        <p:txBody>
+          <a:bodyPr wrap="none" rtlCol="0">
+            <a:spAutoFit/>
+          </a:bodyPr>
+          <a:lstStyle/>
+          <a:p>
+            <a:r>
+              <a:rPr lang="en-US" sz="4000" i="1" dirty="0" smtClean="0">
+                <a:latin typeface="Times New Roman" panose="02020603050405020304" pitchFamily="18" charset="0"/>
+                <a:cs typeface="Times New Roman" panose="02020603050405020304" pitchFamily="18" charset="0"/>
+              </a:rPr>
+              <a:t>w</a:t>
+            </a:r>
+            <a:r>
+              <a:rPr lang="en-US" sz="4000" i="1" baseline="-25000" dirty="0" smtClean="0">
+                <a:latin typeface="Times New Roman" panose="02020603050405020304" pitchFamily="18" charset="0"/>
+                <a:cs typeface="Times New Roman" panose="02020603050405020304" pitchFamily="18" charset="0"/>
+              </a:rPr>
+              <a:t>1</a:t>
+            </a:r>
+            <a:endParaRPr lang="en-US" sz="4000" i="1" baseline="-25000" dirty="0">
+              <a:latin typeface="Times New Roman" panose="02020603050405020304" pitchFamily="18" charset="0"/>
+              <a:cs typeface="Times New Roman" panose="02020603050405020304" pitchFamily="18" charset="0"/>
+            </a:endParaRPr>
+          </a:p>
+        </p:txBody>
+      </p:sp>
+      <p:sp>
+        <p:nvSpPr>
+          <p:cNvPr id="21" name="TextBox 20"/>
+          <p:cNvSpPr txBox="1"/>
+          <p:nvPr/>
+        </p:nvSpPr>
+        <p:spPr>
+          <a:xfrm>
+            <a:off x="1866448" y="3394039"/>
+            <a:ext cx="982961" cy="707886"/>
+          </a:xfrm>
+          <a:prstGeom prst="rect">
+            <a:avLst/>
+          </a:prstGeom>
+          <a:noFill/>
+        </p:spPr>
+        <p:txBody>
+          <a:bodyPr wrap="none" rtlCol="0">
+            <a:spAutoFit/>
+          </a:bodyPr>
+          <a:lstStyle/>
+          <a:p>
+            <a:r>
+              <a:rPr lang="en-US" sz="4000" i="1" dirty="0" smtClean="0">
+                <a:latin typeface="Times New Roman" panose="02020603050405020304" pitchFamily="18" charset="0"/>
+                <a:cs typeface="Times New Roman" panose="02020603050405020304" pitchFamily="18" charset="0"/>
+              </a:rPr>
+              <a:t>w</a:t>
+            </a:r>
+            <a:r>
+              <a:rPr lang="en-US" sz="4000" i="1" baseline="-25000" dirty="0" smtClean="0">
+                <a:latin typeface="Times New Roman" panose="02020603050405020304" pitchFamily="18" charset="0"/>
+                <a:cs typeface="Times New Roman" panose="02020603050405020304" pitchFamily="18" charset="0"/>
+              </a:rPr>
+              <a:t>n-1</a:t>
+            </a:r>
+            <a:endParaRPr lang="en-US" sz="4000" i="1" baseline="-25000" dirty="0">
+              <a:latin typeface="Times New Roman" panose="02020603050405020304" pitchFamily="18" charset="0"/>
+              <a:cs typeface="Times New Roman" panose="02020603050405020304" pitchFamily="18" charset="0"/>
+            </a:endParaRPr>
+          </a:p>
+        </p:txBody>
+      </p:sp>
+      <mc:AlternateContent xmlns:mc="http://schemas.openxmlformats.org/markup-compatibility/2006">
+        <mc:Choice xmlns:a14="http://schemas.microsoft.com/office/drawing/2010/main" Requires="a14">
+          <p:sp>
+            <p:nvSpPr>
+              <p:cNvPr id="22" name="TextBox 21"/>
+              <p:cNvSpPr txBox="1"/>
+              <p:nvPr/>
+            </p:nvSpPr>
+            <p:spPr>
+              <a:xfrm>
+                <a:off x="3341770" y="1916826"/>
+                <a:ext cx="3911776" cy="1729704"/>
+              </a:xfrm>
+              <a:prstGeom prst="rect">
+                <a:avLst/>
+              </a:prstGeom>
+              <a:noFill/>
+            </p:spPr>
+            <p:txBody>
+              <a:bodyPr wrap="none" lIns="0" tIns="0" rIns="0" bIns="0" rtlCol="0">
+                <a:spAutoFit/>
+              </a:bodyPr>
+              <a:lstStyle/>
+              <a:p>
+                <a14:m>
+                  <m:oMathPara xmlns:m="http://schemas.openxmlformats.org/officeDocument/2006/math">
+                    <m:oMathParaPr>
+                      <m:jc m:val="centerGroup"/>
+                    </m:oMathParaPr>
+                    <m:oMath xmlns:m="http://schemas.openxmlformats.org/officeDocument/2006/math">
+                      <m:r>
+                        <a:rPr lang="en-US" sz="4000" b="0" i="1" smtClean="0">
+                          <a:latin typeface="Cambria Math" panose="02040503050406030204" pitchFamily="18" charset="0"/>
+                        </a:rPr>
+                        <m:t>𝑠</m:t>
+                      </m:r>
+                      <m:r>
+                        <a:rPr lang="en-US" sz="4000" b="0" i="1" smtClean="0">
+                          <a:latin typeface="Cambria Math" panose="02040503050406030204" pitchFamily="18" charset="0"/>
+                        </a:rPr>
+                        <m:t>= </m:t>
+                      </m:r>
+                      <m:r>
+                        <a:rPr lang="en-US" sz="4000" b="0" i="1" smtClean="0">
+                          <a:latin typeface="Cambria Math" panose="02040503050406030204" pitchFamily="18" charset="0"/>
+                        </a:rPr>
+                        <m:t>𝑏</m:t>
+                      </m:r>
+                      <m:r>
+                        <a:rPr lang="en-US" sz="4000" b="0" i="1" smtClean="0">
+                          <a:latin typeface="Cambria Math" panose="02040503050406030204" pitchFamily="18" charset="0"/>
+                        </a:rPr>
+                        <m:t>+</m:t>
+                      </m:r>
+                      <m:nary>
+                        <m:naryPr>
+                          <m:chr m:val="∑"/>
+                          <m:ctrlPr>
+                            <a:rPr lang="pt-BR" sz="4000" i="1" smtClean="0">
+                              <a:latin typeface="Cambria Math" panose="02040503050406030204" pitchFamily="18" charset="0"/>
+                            </a:rPr>
+                          </m:ctrlPr>
+                        </m:naryPr>
+                        <m:sub>
+                          <m:r>
+                            <a:rPr lang="pt-BR" sz="4000" i="1" smtClean="0">
+                              <a:latin typeface="Cambria Math" panose="02040503050406030204" pitchFamily="18" charset="0"/>
+                            </a:rPr>
+                            <m:t>𝑘</m:t>
+                          </m:r>
+                          <m:r>
+                            <a:rPr lang="pt-BR" sz="4000" i="1" smtClean="0">
+                              <a:latin typeface="Cambria Math" panose="02040503050406030204" pitchFamily="18" charset="0"/>
+                            </a:rPr>
+                            <m:t>=0</m:t>
+                          </m:r>
+                        </m:sub>
+                        <m:sup>
+                          <m:r>
+                            <a:rPr lang="pt-BR" sz="4000" i="1" smtClean="0">
+                              <a:latin typeface="Cambria Math" panose="02040503050406030204" pitchFamily="18" charset="0"/>
+                            </a:rPr>
+                            <m:t>𝑛</m:t>
+                          </m:r>
+                          <m:r>
+                            <a:rPr lang="en-US" sz="4000" b="0" i="1" smtClean="0">
+                              <a:latin typeface="Cambria Math" panose="02040503050406030204" pitchFamily="18" charset="0"/>
+                            </a:rPr>
+                            <m:t>−1</m:t>
+                          </m:r>
+                        </m:sup>
+                        <m:e>
+                          <m:r>
+                            <a:rPr lang="en-US" sz="4000" b="0" i="1" smtClean="0">
+                              <a:latin typeface="Cambria Math" panose="02040503050406030204" pitchFamily="18" charset="0"/>
+                            </a:rPr>
+                            <m:t>𝑥</m:t>
+                          </m:r>
+                          <m:r>
+                            <a:rPr lang="en-US" sz="4000" b="0" i="1" baseline="-25000" smtClean="0">
+                              <a:latin typeface="Cambria Math" panose="02040503050406030204" pitchFamily="18" charset="0"/>
+                            </a:rPr>
+                            <m:t>𝑘</m:t>
+                          </m:r>
+                          <m:r>
+                            <a:rPr lang="en-US" sz="4000" b="0" i="1" smtClean="0">
+                              <a:latin typeface="Cambria Math" panose="02040503050406030204" pitchFamily="18" charset="0"/>
+                            </a:rPr>
+                            <m:t>𝑤</m:t>
+                          </m:r>
+                          <m:r>
+                            <a:rPr lang="en-US" sz="4000" b="0" i="1" baseline="-25000" smtClean="0">
+                              <a:latin typeface="Cambria Math" panose="02040503050406030204" pitchFamily="18" charset="0"/>
+                            </a:rPr>
+                            <m:t>𝑘</m:t>
+                          </m:r>
+                        </m:e>
+                      </m:nary>
+                    </m:oMath>
+                  </m:oMathPara>
+                </a14:m>
+                <a:endParaRPr lang="en-US" sz="4000" dirty="0"/>
+              </a:p>
+            </p:txBody>
+          </p:sp>
+        </mc:Choice>
+        <mc:Fallback>
+          <p:sp>
+            <p:nvSpPr>
+              <p:cNvPr id="22" name="TextBox 21"/>
+              <p:cNvSpPr txBox="1">
+                <a:spLocks noRot="1" noChangeAspect="1" noMove="1" noResize="1" noEditPoints="1" noAdjustHandles="1" noChangeArrowheads="1" noChangeShapeType="1" noTextEdit="1"/>
+              </p:cNvSpPr>
+              <p:nvPr/>
+            </p:nvSpPr>
+            <p:spPr>
+              <a:xfrm>
+                <a:off x="3341770" y="1916826"/>
+                <a:ext cx="3911776" cy="1729704"/>
+              </a:xfrm>
+              <a:prstGeom prst="rect">
+                <a:avLst/>
+              </a:prstGeom>
+              <a:blipFill rotWithShape="0">
+                <a:blip r:embed="rId2"/>
+                <a:stretch>
+                  <a:fillRect/>
+                </a:stretch>
+              </a:blipFill>
+            </p:spPr>
+            <p:txBody>
+              <a:bodyPr/>
+              <a:lstStyle/>
+              <a:p>
+                <a:r>
+                  <a:rPr lang="en-US">
+                    <a:noFill/>
+                  </a:rPr>
+                  <a:t> </a:t>
+                </a:r>
+              </a:p>
+            </p:txBody>
+          </p:sp>
+        </mc:Fallback>
+      </mc:AlternateContent>
+      <p:sp>
+        <p:nvSpPr>
+          <p:cNvPr id="23" name="Right Arrow 22"/>
+          <p:cNvSpPr/>
+          <p:nvPr/>
+        </p:nvSpPr>
+        <p:spPr>
+          <a:xfrm>
+            <a:off x="7196866" y="2667897"/>
+            <a:ext cx="516367" cy="301214"/>
+          </a:xfrm>
+          <a:prstGeom prst="rightArrow">
+            <a:avLst/>
+          </a:prstGeom>
+          <a:noFill/>
+          <a:ln w="19050">
+            <a:solidFill>
+              <a:schemeClr val="tx1"/>
+            </a:solidFill>
+          </a:ln>
+        </p:spPr>
+        <p:style>
+          <a:lnRef idx="2">
+            <a:schemeClr val="accent1">
+              <a:shade val="50000"/>
+            </a:schemeClr>
+          </a:lnRef>
+          <a:fillRef idx="1">
+            <a:schemeClr val="accent1"/>
+          </a:fillRef>
+          <a:effectRef idx="0">
+            <a:schemeClr val="accent1"/>
+          </a:effectRef>
+          <a:fontRef idx="minor">
+            <a:schemeClr val="lt1"/>
+          </a:fontRef>
+        </p:style>
+        <p:txBody>
+          <a:bodyPr rtlCol="0" anchor="ctr"/>
+          <a:lstStyle/>
+          <a:p>
+            <a:pPr algn="ctr"/>
+            <a:endParaRPr lang="en-US"/>
+          </a:p>
+        </p:txBody>
+      </p:sp>
+      <mc:AlternateContent xmlns:mc="http://schemas.openxmlformats.org/markup-compatibility/2006">
+        <mc:Choice xmlns:a14="http://schemas.microsoft.com/office/drawing/2010/main" Requires="a14">
+          <p:sp>
+            <p:nvSpPr>
+              <p:cNvPr id="24" name="TextBox 23"/>
+              <p:cNvSpPr txBox="1"/>
+              <p:nvPr/>
+            </p:nvSpPr>
+            <p:spPr>
+              <a:xfrm>
+                <a:off x="7775711" y="2510288"/>
+                <a:ext cx="1086708" cy="615553"/>
+              </a:xfrm>
+              <a:prstGeom prst="rect">
+                <a:avLst/>
+              </a:prstGeom>
+              <a:noFill/>
+            </p:spPr>
+            <p:txBody>
+              <a:bodyPr wrap="none" lIns="0" tIns="0" rIns="0" bIns="0" rtlCol="0">
+                <a:spAutoFit/>
+              </a:bodyPr>
+              <a:lstStyle/>
+              <a:p>
+                <a14:m>
+                  <m:oMathPara xmlns:m="http://schemas.openxmlformats.org/officeDocument/2006/math">
+                    <m:oMathParaPr>
+                      <m:jc m:val="centerGroup"/>
+                    </m:oMathParaPr>
+                    <m:oMath xmlns:m="http://schemas.openxmlformats.org/officeDocument/2006/math">
+                      <m:r>
+                        <a:rPr lang="en-US" sz="4000" b="0" i="1" smtClean="0">
+                          <a:latin typeface="Cambria Math" panose="02040503050406030204" pitchFamily="18" charset="0"/>
+                        </a:rPr>
+                        <m:t>𝑓</m:t>
+                      </m:r>
+                      <m:r>
+                        <a:rPr lang="en-US" sz="4000" b="0" i="1" smtClean="0">
+                          <a:latin typeface="Cambria Math" panose="02040503050406030204" pitchFamily="18" charset="0"/>
+                        </a:rPr>
+                        <m:t>(</m:t>
+                      </m:r>
+                      <m:r>
+                        <a:rPr lang="en-US" sz="4000" b="0" i="1" smtClean="0">
+                          <a:latin typeface="Cambria Math" panose="02040503050406030204" pitchFamily="18" charset="0"/>
+                        </a:rPr>
+                        <m:t>𝑠</m:t>
+                      </m:r>
+                      <m:r>
+                        <a:rPr lang="en-US" sz="4000" b="0" i="1" smtClean="0">
+                          <a:latin typeface="Cambria Math" panose="02040503050406030204" pitchFamily="18" charset="0"/>
+                        </a:rPr>
+                        <m:t>)</m:t>
+                      </m:r>
+                    </m:oMath>
+                  </m:oMathPara>
+                </a14:m>
+                <a:endParaRPr lang="en-US" sz="4000" dirty="0"/>
+              </a:p>
+            </p:txBody>
+          </p:sp>
+        </mc:Choice>
+        <mc:Fallback>
+          <p:sp>
+            <p:nvSpPr>
+              <p:cNvPr id="24" name="TextBox 23"/>
+              <p:cNvSpPr txBox="1">
+                <a:spLocks noRot="1" noChangeAspect="1" noMove="1" noResize="1" noEditPoints="1" noAdjustHandles="1" noChangeArrowheads="1" noChangeShapeType="1" noTextEdit="1"/>
+              </p:cNvSpPr>
+              <p:nvPr/>
+            </p:nvSpPr>
+            <p:spPr>
+              <a:xfrm>
+                <a:off x="7775711" y="2510288"/>
+                <a:ext cx="1086708" cy="615553"/>
+              </a:xfrm>
+              <a:prstGeom prst="rect">
+                <a:avLst/>
+              </a:prstGeom>
+              <a:blipFill rotWithShape="0">
+                <a:blip r:embed="rId3"/>
+                <a:stretch>
+                  <a:fillRect/>
+                </a:stretch>
+              </a:blipFill>
+            </p:spPr>
+            <p:txBody>
+              <a:bodyPr/>
+              <a:lstStyle/>
+              <a:p>
+                <a:r>
+                  <a:rPr lang="en-US">
+                    <a:noFill/>
+                  </a:rPr>
+                  <a:t> </a:t>
+                </a:r>
+              </a:p>
+            </p:txBody>
+          </p:sp>
+        </mc:Fallback>
+      </mc:AlternateContent>
+      <p:sp>
+        <p:nvSpPr>
+          <p:cNvPr id="25" name="Rounded Rectangle 24"/>
+          <p:cNvSpPr/>
+          <p:nvPr/>
+        </p:nvSpPr>
+        <p:spPr>
+          <a:xfrm>
+            <a:off x="3302600" y="1785769"/>
+            <a:ext cx="5550944" cy="2130015"/>
+          </a:xfrm>
+          <a:prstGeom prst="roundRect">
+            <a:avLst/>
+          </a:prstGeom>
+          <a:noFill/>
+          <a:ln>
+            <a:solidFill>
+              <a:schemeClr val="tx1"/>
+            </a:solidFill>
+          </a:ln>
+        </p:spPr>
+        <p:style>
+          <a:lnRef idx="2">
+            <a:schemeClr val="accent1">
+              <a:shade val="50000"/>
+            </a:schemeClr>
+          </a:lnRef>
+          <a:fillRef idx="1">
+            <a:schemeClr val="accent1"/>
+          </a:fillRef>
+          <a:effectRef idx="0">
+            <a:schemeClr val="accent1"/>
+          </a:effectRef>
+          <a:fontRef idx="minor">
+            <a:schemeClr val="lt1"/>
+          </a:fontRef>
+        </p:style>
+        <p:txBody>
+          <a:bodyPr rtlCol="0" anchor="ctr"/>
+          <a:lstStyle/>
+          <a:p>
+            <a:pPr algn="ctr"/>
+            <a:endParaRPr lang="en-US"/>
+          </a:p>
+        </p:txBody>
+      </p:sp>
+      <p:sp>
+        <p:nvSpPr>
+          <p:cNvPr id="26" name="TextBox 25"/>
+          <p:cNvSpPr txBox="1"/>
+          <p:nvPr/>
+        </p:nvSpPr>
+        <p:spPr>
+          <a:xfrm>
+            <a:off x="4690334" y="1118795"/>
+            <a:ext cx="2980303" cy="707886"/>
+          </a:xfrm>
+          <a:prstGeom prst="rect">
+            <a:avLst/>
+          </a:prstGeom>
+          <a:noFill/>
+        </p:spPr>
+        <p:txBody>
+          <a:bodyPr wrap="none" rtlCol="0">
+            <a:spAutoFit/>
+          </a:bodyPr>
+          <a:lstStyle/>
+          <a:p>
+            <a:r>
+              <a:rPr lang="en-US" sz="4000" dirty="0" smtClean="0">
+                <a:latin typeface="Arial" panose="020B0604020202020204" pitchFamily="34" charset="0"/>
+                <a:cs typeface="Arial" panose="020B0604020202020204" pitchFamily="34" charset="0"/>
+              </a:rPr>
+              <a:t>One Neuron</a:t>
+            </a:r>
+            <a:endParaRPr lang="en-US" sz="4000" dirty="0">
+              <a:latin typeface="Arial" panose="020B0604020202020204" pitchFamily="34" charset="0"/>
+              <a:cs typeface="Arial" panose="020B0604020202020204" pitchFamily="34" charset="0"/>
+            </a:endParaRPr>
+          </a:p>
+        </p:txBody>
+      </p:sp>
+      <p:cxnSp>
+        <p:nvCxnSpPr>
+          <p:cNvPr id="27" name="Straight Arrow Connector 26"/>
+          <p:cNvCxnSpPr/>
+          <p:nvPr/>
+        </p:nvCxnSpPr>
+        <p:spPr>
+          <a:xfrm flipV="1">
+            <a:off x="8887607" y="2915322"/>
+            <a:ext cx="826550" cy="1794"/>
+          </a:xfrm>
+          <a:prstGeom prst="straightConnector1">
+            <a:avLst/>
+          </a:prstGeom>
+          <a:ln>
+            <a:solidFill>
+              <a:schemeClr val="tx1"/>
+            </a:solidFill>
+            <a:tailEnd type="triangle"/>
+          </a:ln>
+        </p:spPr>
+        <p:style>
+          <a:lnRef idx="1">
+            <a:schemeClr val="accent1"/>
+          </a:lnRef>
+          <a:fillRef idx="0">
+            <a:schemeClr val="accent1"/>
+          </a:fillRef>
+          <a:effectRef idx="0">
+            <a:schemeClr val="accent1"/>
+          </a:effectRef>
+          <a:fontRef idx="minor">
+            <a:schemeClr val="tx1"/>
+          </a:fontRef>
+        </p:style>
+      </p:cxnSp>
+    </p:spTree>
+    <p:extLst>
+      <p:ext uri="{BB962C8B-B14F-4D97-AF65-F5344CB8AC3E}">
+        <p14:creationId xmlns:p14="http://schemas.microsoft.com/office/powerpoint/2010/main" val="3302972193"/>
+      </p:ext>
+    </p:extLst>
+  </p:cSld>
+  <p:clrMapOvr>
+    <a:masterClrMapping/>
+  </p:clrMapOvr>
+</p:sld>
+</file>
+
 <file path=ppt/theme/theme1.xml><?xml version="1.0" encoding="utf-8"?>
 <a:theme xmlns:a="http://schemas.openxmlformats.org/drawingml/2006/main" name="Office Theme">
   <a:themeElements>
